--- a/docs/G1_Presentation.pptx
+++ b/docs/G1_Presentation.pptx
@@ -8,12 +8,12 @@
     <p:sldId id="256" r:id="rId2"/>
     <p:sldId id="257" r:id="rId3"/>
     <p:sldId id="258" r:id="rId4"/>
-    <p:sldId id="259" r:id="rId5"/>
-    <p:sldId id="260" r:id="rId6"/>
-    <p:sldId id="261" r:id="rId7"/>
+    <p:sldId id="260" r:id="rId5"/>
+    <p:sldId id="265" r:id="rId6"/>
+    <p:sldId id="259" r:id="rId7"/>
     <p:sldId id="262" r:id="rId8"/>
-    <p:sldId id="263" r:id="rId9"/>
-    <p:sldId id="264" r:id="rId10"/>
+    <p:sldId id="264" r:id="rId9"/>
+    <p:sldId id="263" r:id="rId10"/>
   </p:sldIdLst>
   <p:sldSz cx="12192000" cy="6858000"/>
   <p:notesSz cx="6858000" cy="9144000"/>
@@ -112,6 +112,11 @@
       </a:defRPr>
     </a:lvl9pPr>
   </p:defaultTextStyle>
+  <p:extLst>
+    <p:ext uri="{EFAFB233-063F-42B5-8137-9DF3F51BA10A}">
+      <p15:sldGuideLst xmlns:p15="http://schemas.microsoft.com/office/powerpoint/2012/main"/>
+    </p:ext>
+  </p:extLst>
 </p:presentation>
 </file>
 
@@ -285,7 +290,7 @@
             <a:fld id="{87DE6118-2437-4B30-8E3C-4D2BE6020583}" type="datetimeFigureOut">
               <a:rPr lang="en-US" dirty="0"/>
               <a:pPr/>
-              <a:t>09/13/18</a:t>
+              <a:t>9/13/18</a:t>
             </a:fld>
             <a:endParaRPr lang="en-US" dirty="0"/>
           </a:p>
@@ -611,7 +616,7 @@
           <a:p>
             <a:fld id="{87DE6118-2437-4B30-8E3C-4D2BE6020583}" type="datetimeFigureOut">
               <a:rPr lang="en-US" dirty="0"/>
-              <a:t>09/13/18</a:t>
+              <a:t>9/13/18</a:t>
             </a:fld>
             <a:endParaRPr lang="en-US" dirty="0"/>
           </a:p>
@@ -786,7 +791,7 @@
           <a:p>
             <a:fld id="{87DE6118-2437-4B30-8E3C-4D2BE6020583}" type="datetimeFigureOut">
               <a:rPr lang="en-US" dirty="0"/>
-              <a:t>09/13/18</a:t>
+              <a:t>9/13/18</a:t>
             </a:fld>
             <a:endParaRPr lang="en-US" dirty="0"/>
           </a:p>
@@ -951,7 +956,7 @@
           <a:p>
             <a:fld id="{87DE6118-2437-4B30-8E3C-4D2BE6020583}" type="datetimeFigureOut">
               <a:rPr lang="en-US" dirty="0"/>
-              <a:t>09/13/18</a:t>
+              <a:t>9/13/18</a:t>
             </a:fld>
             <a:endParaRPr lang="en-US" dirty="0"/>
           </a:p>
@@ -1224,7 +1229,7 @@
             <a:fld id="{87DE6118-2437-4B30-8E3C-4D2BE6020583}" type="datetimeFigureOut">
               <a:rPr lang="en-US" dirty="0"/>
               <a:pPr/>
-              <a:t>09/13/18</a:t>
+              <a:t>9/13/18</a:t>
             </a:fld>
             <a:endParaRPr lang="en-US" dirty="0"/>
           </a:p>
@@ -1614,7 +1619,7 @@
           <a:p>
             <a:fld id="{87DE6118-2437-4B30-8E3C-4D2BE6020583}" type="datetimeFigureOut">
               <a:rPr lang="en-US" dirty="0"/>
-              <a:t>09/13/18</a:t>
+              <a:t>9/13/18</a:t>
             </a:fld>
             <a:endParaRPr lang="en-US" dirty="0"/>
           </a:p>
@@ -2086,7 +2091,7 @@
           <a:p>
             <a:fld id="{87DE6118-2437-4B30-8E3C-4D2BE6020583}" type="datetimeFigureOut">
               <a:rPr lang="en-US" dirty="0"/>
-              <a:t>09/13/18</a:t>
+              <a:t>9/13/18</a:t>
             </a:fld>
             <a:endParaRPr lang="en-US" dirty="0"/>
           </a:p>
@@ -2199,7 +2204,7 @@
           <a:p>
             <a:fld id="{87DE6118-2437-4B30-8E3C-4D2BE6020583}" type="datetimeFigureOut">
               <a:rPr lang="en-US" dirty="0"/>
-              <a:t>09/13/18</a:t>
+              <a:t>9/13/18</a:t>
             </a:fld>
             <a:endParaRPr lang="en-US" dirty="0"/>
           </a:p>
@@ -2289,7 +2294,7 @@
           <a:p>
             <a:fld id="{87DE6118-2437-4B30-8E3C-4D2BE6020583}" type="datetimeFigureOut">
               <a:rPr lang="en-US" dirty="0"/>
-              <a:t>09/13/18</a:t>
+              <a:t>9/13/18</a:t>
             </a:fld>
             <a:endParaRPr lang="en-US" dirty="0"/>
           </a:p>
@@ -2631,7 +2636,7 @@
             <a:fld id="{87DE6118-2437-4B30-8E3C-4D2BE6020583}" type="datetimeFigureOut">
               <a:rPr lang="en-US" dirty="0"/>
               <a:pPr/>
-              <a:t>09/13/18</a:t>
+              <a:t>9/13/18</a:t>
             </a:fld>
             <a:endParaRPr lang="en-US" dirty="0"/>
           </a:p>
@@ -3016,7 +3021,7 @@
             <a:fld id="{87DE6118-2437-4B30-8E3C-4D2BE6020583}" type="datetimeFigureOut">
               <a:rPr lang="en-US" dirty="0"/>
               <a:pPr/>
-              <a:t>09/13/18</a:t>
+              <a:t>9/13/18</a:t>
             </a:fld>
             <a:endParaRPr lang="en-US" dirty="0"/>
           </a:p>
@@ -3291,7 +3296,7 @@
             <a:fld id="{87DE6118-2437-4B30-8E3C-4D2BE6020583}" type="datetimeFigureOut">
               <a:rPr lang="en-US" dirty="0"/>
               <a:pPr/>
-              <a:t>09/13/18</a:t>
+              <a:t>9/13/18</a:t>
             </a:fld>
             <a:endParaRPr lang="en-US" dirty="0"/>
           </a:p>
@@ -3931,7 +3936,12 @@
             <p:ph type="title"/>
           </p:nvPr>
         </p:nvSpPr>
-        <p:spPr/>
+        <p:spPr>
+          <a:xfrm>
+            <a:off x="846944" y="2713486"/>
+            <a:ext cx="4234721" cy="1485900"/>
+          </a:xfrm>
+        </p:spPr>
         <p:txBody>
           <a:bodyPr/>
           <a:lstStyle/>
@@ -3947,31 +3957,36 @@
           </a:p>
         </p:txBody>
       </p:sp>
-      <p:sp>
-        <p:nvSpPr>
-          <p:cNvPr id="3" name="Content Placeholder 2">
+      <p:pic>
+        <p:nvPicPr>
+          <p:cNvPr id="5" name="Picture 4">
             <a:extLst>
               <a:ext uri="{FF2B5EF4-FFF2-40B4-BE49-F238E27FC236}">
-                <a16:creationId xmlns:a16="http://schemas.microsoft.com/office/drawing/2014/main" id="{4AD1B495-AF67-4F72-95DA-EAC2EB032D82}"/>
+                <a16:creationId xmlns:a16="http://schemas.microsoft.com/office/drawing/2014/main" id="{C7546D9B-82E7-FC4B-82E7-A3C3CC7CC38F}"/>
               </a:ext>
             </a:extLst>
           </p:cNvPr>
-          <p:cNvSpPr>
-            <a:spLocks noGrp="1"/>
-          </p:cNvSpPr>
-          <p:nvPr>
-            <p:ph idx="1"/>
-          </p:nvPr>
-        </p:nvSpPr>
-        <p:spPr/>
-        <p:txBody>
-          <a:bodyPr/>
-          <a:lstStyle/>
-          <a:p>
-            <a:endParaRPr lang="en-US" dirty="0"/>
-          </a:p>
-        </p:txBody>
-      </p:sp>
+          <p:cNvPicPr>
+            <a:picLocks noChangeAspect="1"/>
+          </p:cNvPicPr>
+          <p:nvPr/>
+        </p:nvPicPr>
+        <p:blipFill>
+          <a:blip r:embed="rId2"/>
+          <a:stretch>
+            <a:fillRect/>
+          </a:stretch>
+        </p:blipFill>
+        <p:spPr>
+          <a:xfrm>
+            <a:off x="4811843" y="-1170"/>
+            <a:ext cx="7380157" cy="6782970"/>
+          </a:xfrm>
+          <a:prstGeom prst="rect">
+            <a:avLst/>
+          </a:prstGeom>
+        </p:spPr>
+      </p:pic>
     </p:spTree>
     <p:extLst>
       <p:ext uri="{BB962C8B-B14F-4D97-AF65-F5344CB8AC3E}">
@@ -4018,43 +4033,60 @@
             <p:ph type="title"/>
           </p:nvPr>
         </p:nvSpPr>
-        <p:spPr/>
+        <p:spPr>
+          <a:xfrm>
+            <a:off x="801973" y="2154835"/>
+            <a:ext cx="9601200" cy="1485900"/>
+          </a:xfrm>
+        </p:spPr>
         <p:txBody>
           <a:bodyPr/>
           <a:lstStyle/>
           <a:p>
             <a:r>
               <a:rPr lang="en-US" dirty="0"/>
-              <a:t>Class Model</a:t>
-            </a:r>
-          </a:p>
-        </p:txBody>
-      </p:sp>
-      <p:sp>
-        <p:nvSpPr>
-          <p:cNvPr id="3" name="Content Placeholder 2">
+              <a:t>Class </a:t>
+            </a:r>
+            <a:br>
+              <a:rPr lang="en-US" dirty="0"/>
+            </a:br>
+            <a:r>
+              <a:rPr lang="en-US" dirty="0"/>
+              <a:t>Diagram</a:t>
+            </a:r>
+          </a:p>
+        </p:txBody>
+      </p:sp>
+      <p:pic>
+        <p:nvPicPr>
+          <p:cNvPr id="5" name="Picture 4">
             <a:extLst>
               <a:ext uri="{FF2B5EF4-FFF2-40B4-BE49-F238E27FC236}">
-                <a16:creationId xmlns:a16="http://schemas.microsoft.com/office/drawing/2014/main" id="{EBE5A8CE-DC8D-458D-9BC2-77CFD08F5EF1}"/>
+                <a16:creationId xmlns:a16="http://schemas.microsoft.com/office/drawing/2014/main" id="{6325F305-93EF-0F4E-9D73-0A1CE16434DD}"/>
               </a:ext>
             </a:extLst>
           </p:cNvPr>
-          <p:cNvSpPr>
-            <a:spLocks noGrp="1"/>
-          </p:cNvSpPr>
-          <p:nvPr>
-            <p:ph idx="1"/>
-          </p:nvPr>
-        </p:nvSpPr>
-        <p:spPr/>
-        <p:txBody>
-          <a:bodyPr/>
-          <a:lstStyle/>
-          <a:p>
-            <a:endParaRPr lang="en-US"/>
-          </a:p>
-        </p:txBody>
-      </p:sp>
+          <p:cNvPicPr>
+            <a:picLocks noChangeAspect="1"/>
+          </p:cNvPicPr>
+          <p:nvPr/>
+        </p:nvPicPr>
+        <p:blipFill>
+          <a:blip r:embed="rId2"/>
+          <a:stretch>
+            <a:fillRect/>
+          </a:stretch>
+        </p:blipFill>
+        <p:spPr>
+          <a:xfrm>
+            <a:off x="2983043" y="0"/>
+            <a:ext cx="9096405" cy="6858000"/>
+          </a:xfrm>
+          <a:prstGeom prst="rect">
+            <a:avLst/>
+          </a:prstGeom>
+        </p:spPr>
+      </p:pic>
     </p:spTree>
     <p:extLst>
       <p:ext uri="{BB962C8B-B14F-4D97-AF65-F5344CB8AC3E}">
@@ -4090,7 +4122,7 @@
           <p:cNvPr id="2" name="Title 1">
             <a:extLst>
               <a:ext uri="{FF2B5EF4-FFF2-40B4-BE49-F238E27FC236}">
-                <a16:creationId xmlns:a16="http://schemas.microsoft.com/office/drawing/2014/main" id="{E1B3ABF3-2474-490B-A5D5-F6C91366E538}"/>
+                <a16:creationId xmlns:a16="http://schemas.microsoft.com/office/drawing/2014/main" id="{778CEB57-A903-426E-8F9A-C8FA81234435}"/>
               </a:ext>
             </a:extLst>
           </p:cNvPr>
@@ -4118,7 +4150,7 @@
           <p:cNvPr id="3" name="Content Placeholder 2">
             <a:extLst>
               <a:ext uri="{FF2B5EF4-FFF2-40B4-BE49-F238E27FC236}">
-                <a16:creationId xmlns:a16="http://schemas.microsoft.com/office/drawing/2014/main" id="{2A41D337-91A2-4448-BDED-DC43796507A6}"/>
+                <a16:creationId xmlns:a16="http://schemas.microsoft.com/office/drawing/2014/main" id="{5ADAB122-D63E-4CC4-99B1-9884AAB79A96}"/>
               </a:ext>
             </a:extLst>
           </p:cNvPr>
@@ -4136,15 +4168,27 @@
           <a:p>
             <a:r>
               <a:rPr lang="en-US" dirty="0"/>
-              <a:t>1</a:t>
-            </a:r>
+              <a:t>Add New Book</a:t>
+            </a:r>
+          </a:p>
+          <a:p>
+            <a:r>
+              <a:rPr lang="en-US" dirty="0"/>
+              <a:t>Checkout Book</a:t>
+            </a:r>
+          </a:p>
+          <a:p>
+            <a:pPr marL="0" indent="0">
+              <a:buNone/>
+            </a:pPr>
+            <a:endParaRPr lang="en-US" dirty="0"/>
           </a:p>
         </p:txBody>
       </p:sp>
     </p:spTree>
     <p:extLst>
       <p:ext uri="{BB962C8B-B14F-4D97-AF65-F5344CB8AC3E}">
-        <p14:creationId xmlns:p14="http://schemas.microsoft.com/office/powerpoint/2010/main" val="59757663"/>
+        <p14:creationId xmlns:p14="http://schemas.microsoft.com/office/powerpoint/2010/main" val="1185703446"/>
       </p:ext>
     </p:extLst>
   </p:cSld>
@@ -4171,66 +4215,40 @@
           <a:chExt cx="0" cy="0"/>
         </a:xfrm>
       </p:grpSpPr>
-      <p:sp>
-        <p:nvSpPr>
-          <p:cNvPr id="2" name="Title 1">
+      <p:pic>
+        <p:nvPicPr>
+          <p:cNvPr id="7" name="Picture 6">
             <a:extLst>
               <a:ext uri="{FF2B5EF4-FFF2-40B4-BE49-F238E27FC236}">
-                <a16:creationId xmlns:a16="http://schemas.microsoft.com/office/drawing/2014/main" id="{778CEB57-A903-426E-8F9A-C8FA81234435}"/>
+                <a16:creationId xmlns:a16="http://schemas.microsoft.com/office/drawing/2014/main" id="{A4E35A9B-8AC1-A64D-AB1D-C254B88565B9}"/>
               </a:ext>
             </a:extLst>
           </p:cNvPr>
-          <p:cNvSpPr>
-            <a:spLocks noGrp="1"/>
-          </p:cNvSpPr>
-          <p:nvPr>
-            <p:ph type="title"/>
-          </p:nvPr>
-        </p:nvSpPr>
-        <p:spPr/>
-        <p:txBody>
-          <a:bodyPr/>
-          <a:lstStyle/>
-          <a:p>
-            <a:r>
-              <a:rPr lang="en-US" dirty="0"/>
-              <a:t>Sequence Diagram </a:t>
-            </a:r>
-          </a:p>
-        </p:txBody>
-      </p:sp>
-      <p:sp>
-        <p:nvSpPr>
-          <p:cNvPr id="3" name="Content Placeholder 2">
-            <a:extLst>
-              <a:ext uri="{FF2B5EF4-FFF2-40B4-BE49-F238E27FC236}">
-                <a16:creationId xmlns:a16="http://schemas.microsoft.com/office/drawing/2014/main" id="{5ADAB122-D63E-4CC4-99B1-9884AAB79A96}"/>
-              </a:ext>
-            </a:extLst>
-          </p:cNvPr>
-          <p:cNvSpPr>
-            <a:spLocks noGrp="1"/>
-          </p:cNvSpPr>
-          <p:nvPr>
-            <p:ph idx="1"/>
-          </p:nvPr>
-        </p:nvSpPr>
-        <p:spPr/>
-        <p:txBody>
-          <a:bodyPr/>
-          <a:lstStyle/>
-          <a:p>
-            <a:r>
-              <a:rPr lang="en-US" dirty="0"/>
-              <a:t>2</a:t>
-            </a:r>
-          </a:p>
-        </p:txBody>
-      </p:sp>
+          <p:cNvPicPr>
+            <a:picLocks noChangeAspect="1"/>
+          </p:cNvPicPr>
+          <p:nvPr/>
+        </p:nvPicPr>
+        <p:blipFill>
+          <a:blip r:embed="rId2"/>
+          <a:stretch>
+            <a:fillRect/>
+          </a:stretch>
+        </p:blipFill>
+        <p:spPr>
+          <a:xfrm>
+            <a:off x="794657" y="0"/>
+            <a:ext cx="11397343" cy="6858000"/>
+          </a:xfrm>
+          <a:prstGeom prst="rect">
+            <a:avLst/>
+          </a:prstGeom>
+        </p:spPr>
+      </p:pic>
     </p:spTree>
     <p:extLst>
       <p:ext uri="{BB962C8B-B14F-4D97-AF65-F5344CB8AC3E}">
-        <p14:creationId xmlns:p14="http://schemas.microsoft.com/office/powerpoint/2010/main" val="1185703446"/>
+        <p14:creationId xmlns:p14="http://schemas.microsoft.com/office/powerpoint/2010/main" val="150623032"/>
       </p:ext>
     </p:extLst>
   </p:cSld>
@@ -4262,7 +4280,7 @@
           <p:cNvPr id="2" name="Title 1">
             <a:extLst>
               <a:ext uri="{FF2B5EF4-FFF2-40B4-BE49-F238E27FC236}">
-                <a16:creationId xmlns:a16="http://schemas.microsoft.com/office/drawing/2014/main" id="{A5698B18-55DE-4E67-9A45-8336E7B2EC22}"/>
+                <a16:creationId xmlns:a16="http://schemas.microsoft.com/office/drawing/2014/main" id="{E1B3ABF3-2474-490B-A5D5-F6C91366E538}"/>
               </a:ext>
             </a:extLst>
           </p:cNvPr>
@@ -4273,50 +4291,57 @@
             <p:ph type="title"/>
           </p:nvPr>
         </p:nvSpPr>
-        <p:spPr/>
+        <p:spPr>
+          <a:xfrm>
+            <a:off x="876924" y="415977"/>
+            <a:ext cx="9601200" cy="1485900"/>
+          </a:xfrm>
+        </p:spPr>
         <p:txBody>
           <a:bodyPr/>
           <a:lstStyle/>
           <a:p>
             <a:r>
               <a:rPr lang="en-US" dirty="0"/>
-              <a:t> UI Design </a:t>
-            </a:r>
-          </a:p>
-        </p:txBody>
-      </p:sp>
-      <p:sp>
-        <p:nvSpPr>
-          <p:cNvPr id="3" name="Content Placeholder 2">
+              <a:t>Sequence Diagram </a:t>
+            </a:r>
+          </a:p>
+        </p:txBody>
+      </p:sp>
+      <p:pic>
+        <p:nvPicPr>
+          <p:cNvPr id="5" name="Picture 4">
             <a:extLst>
               <a:ext uri="{FF2B5EF4-FFF2-40B4-BE49-F238E27FC236}">
-                <a16:creationId xmlns:a16="http://schemas.microsoft.com/office/drawing/2014/main" id="{F6633A0A-DC56-4955-AE7D-9C2B286D7442}"/>
+                <a16:creationId xmlns:a16="http://schemas.microsoft.com/office/drawing/2014/main" id="{CB7151CE-F84C-B84F-9E96-09D1FAB7AD9E}"/>
               </a:ext>
             </a:extLst>
           </p:cNvPr>
-          <p:cNvSpPr>
-            <a:spLocks noGrp="1"/>
-          </p:cNvSpPr>
-          <p:nvPr>
-            <p:ph idx="1"/>
-          </p:nvPr>
-        </p:nvSpPr>
-        <p:spPr/>
-        <p:txBody>
-          <a:bodyPr/>
-          <a:lstStyle/>
-          <a:p>
-            <a:r>
-              <a:rPr lang="en-US" dirty="0"/>
-              <a:t>Table, </a:t>
-            </a:r>
-          </a:p>
-        </p:txBody>
-      </p:sp>
+          <p:cNvPicPr>
+            <a:picLocks noChangeAspect="1"/>
+          </p:cNvPicPr>
+          <p:nvPr/>
+        </p:nvPicPr>
+        <p:blipFill>
+          <a:blip r:embed="rId2"/>
+          <a:stretch>
+            <a:fillRect/>
+          </a:stretch>
+        </p:blipFill>
+        <p:spPr>
+          <a:xfrm>
+            <a:off x="793401" y="0"/>
+            <a:ext cx="11398599" cy="6858000"/>
+          </a:xfrm>
+          <a:prstGeom prst="rect">
+            <a:avLst/>
+          </a:prstGeom>
+        </p:spPr>
+      </p:pic>
     </p:spTree>
     <p:extLst>
       <p:ext uri="{BB962C8B-B14F-4D97-AF65-F5344CB8AC3E}">
-        <p14:creationId xmlns:p14="http://schemas.microsoft.com/office/powerpoint/2010/main" val="751339411"/>
+        <p14:creationId xmlns:p14="http://schemas.microsoft.com/office/powerpoint/2010/main" val="59757663"/>
       </p:ext>
     </p:extLst>
   </p:cSld>
@@ -4406,7 +4431,7 @@
           <a:p>
             <a:r>
               <a:rPr lang="en-US" dirty="0"/>
-              <a:t>Overdue </a:t>
+              <a:t>Check Overdue rental book</a:t>
             </a:r>
           </a:p>
         </p:txBody>
@@ -4446,7 +4471,7 @@
           <p:cNvPr id="2" name="Title 1">
             <a:extLst>
               <a:ext uri="{FF2B5EF4-FFF2-40B4-BE49-F238E27FC236}">
-                <a16:creationId xmlns:a16="http://schemas.microsoft.com/office/drawing/2014/main" id="{0683E905-4C9E-434A-8697-B5658973B96A}"/>
+                <a16:creationId xmlns:a16="http://schemas.microsoft.com/office/drawing/2014/main" id="{2F24E4FA-BE14-4EA0-BD46-A78BA47E8308}"/>
               </a:ext>
             </a:extLst>
           </p:cNvPr>
@@ -4464,7 +4489,7 @@
           <a:p>
             <a:r>
               <a:rPr lang="en-US" dirty="0"/>
-              <a:t>Demo</a:t>
+              <a:t> SCI Principle</a:t>
             </a:r>
           </a:p>
         </p:txBody>
@@ -4474,7 +4499,7 @@
           <p:cNvPr id="3" name="Content Placeholder 2">
             <a:extLst>
               <a:ext uri="{FF2B5EF4-FFF2-40B4-BE49-F238E27FC236}">
-                <a16:creationId xmlns:a16="http://schemas.microsoft.com/office/drawing/2014/main" id="{8081E713-56F8-4225-8513-8520AC2E81AC}"/>
+                <a16:creationId xmlns:a16="http://schemas.microsoft.com/office/drawing/2014/main" id="{B6060220-6299-48D4-A6A6-94DA8A74FC63}"/>
               </a:ext>
             </a:extLst>
           </p:cNvPr>
@@ -4490,14 +4515,14 @@
           <a:bodyPr/>
           <a:lstStyle/>
           <a:p>
-            <a:endParaRPr lang="en-US"/>
+            <a:endParaRPr lang="en-US" dirty="0"/>
           </a:p>
         </p:txBody>
       </p:sp>
     </p:spTree>
     <p:extLst>
       <p:ext uri="{BB962C8B-B14F-4D97-AF65-F5344CB8AC3E}">
-        <p14:creationId xmlns:p14="http://schemas.microsoft.com/office/powerpoint/2010/main" val="3082040804"/>
+        <p14:creationId xmlns:p14="http://schemas.microsoft.com/office/powerpoint/2010/main" val="4190080913"/>
       </p:ext>
     </p:extLst>
   </p:cSld>
@@ -4529,7 +4554,7 @@
           <p:cNvPr id="2" name="Title 1">
             <a:extLst>
               <a:ext uri="{FF2B5EF4-FFF2-40B4-BE49-F238E27FC236}">
-                <a16:creationId xmlns:a16="http://schemas.microsoft.com/office/drawing/2014/main" id="{2F24E4FA-BE14-4EA0-BD46-A78BA47E8308}"/>
+                <a16:creationId xmlns:a16="http://schemas.microsoft.com/office/drawing/2014/main" id="{0683E905-4C9E-434A-8697-B5658973B96A}"/>
               </a:ext>
             </a:extLst>
           </p:cNvPr>
@@ -4547,40 +4572,15 @@
           <a:p>
             <a:r>
               <a:rPr lang="en-US" dirty="0"/>
-              <a:t> SCI Principle</a:t>
-            </a:r>
-          </a:p>
-        </p:txBody>
-      </p:sp>
-      <p:sp>
-        <p:nvSpPr>
-          <p:cNvPr id="3" name="Content Placeholder 2">
-            <a:extLst>
-              <a:ext uri="{FF2B5EF4-FFF2-40B4-BE49-F238E27FC236}">
-                <a16:creationId xmlns:a16="http://schemas.microsoft.com/office/drawing/2014/main" id="{B6060220-6299-48D4-A6A6-94DA8A74FC63}"/>
-              </a:ext>
-            </a:extLst>
-          </p:cNvPr>
-          <p:cNvSpPr>
-            <a:spLocks noGrp="1"/>
-          </p:cNvSpPr>
-          <p:nvPr>
-            <p:ph idx="1"/>
-          </p:nvPr>
-        </p:nvSpPr>
-        <p:spPr/>
-        <p:txBody>
-          <a:bodyPr/>
-          <a:lstStyle/>
-          <a:p>
-            <a:endParaRPr lang="en-US" dirty="0"/>
+              <a:t>Demo</a:t>
+            </a:r>
           </a:p>
         </p:txBody>
       </p:sp>
     </p:spTree>
     <p:extLst>
       <p:ext uri="{BB962C8B-B14F-4D97-AF65-F5344CB8AC3E}">
-        <p14:creationId xmlns:p14="http://schemas.microsoft.com/office/powerpoint/2010/main" val="4190080913"/>
+        <p14:creationId xmlns:p14="http://schemas.microsoft.com/office/powerpoint/2010/main" val="3082040804"/>
       </p:ext>
     </p:extLst>
   </p:cSld>
